--- a/IntroToGit2017.pptx
+++ b/IntroToGit2017.pptx
@@ -5,10 +5,10 @@
     <p:sldMasterId id="2147483648" r:id="rId1"/>
   </p:sldMasterIdLst>
   <p:notesMasterIdLst>
-    <p:notesMasterId r:id="rId13"/>
+    <p:notesMasterId r:id="rId24"/>
   </p:notesMasterIdLst>
   <p:handoutMasterIdLst>
-    <p:handoutMasterId r:id="rId14"/>
+    <p:handoutMasterId r:id="rId25"/>
   </p:handoutMasterIdLst>
   <p:sldIdLst>
     <p:sldId id="256" r:id="rId2"/>
@@ -20,8 +20,19 @@
     <p:sldId id="267" r:id="rId8"/>
     <p:sldId id="260" r:id="rId9"/>
     <p:sldId id="261" r:id="rId10"/>
-    <p:sldId id="262" r:id="rId11"/>
-    <p:sldId id="268" r:id="rId12"/>
+    <p:sldId id="277" r:id="rId11"/>
+    <p:sldId id="262" r:id="rId12"/>
+    <p:sldId id="269" r:id="rId13"/>
+    <p:sldId id="276" r:id="rId14"/>
+    <p:sldId id="270" r:id="rId15"/>
+    <p:sldId id="271" r:id="rId16"/>
+    <p:sldId id="272" r:id="rId17"/>
+    <p:sldId id="273" r:id="rId18"/>
+    <p:sldId id="274" r:id="rId19"/>
+    <p:sldId id="275" r:id="rId20"/>
+    <p:sldId id="268" r:id="rId21"/>
+    <p:sldId id="279" r:id="rId22"/>
+    <p:sldId id="278" r:id="rId23"/>
   </p:sldIdLst>
   <p:sldSz cx="9144000" cy="5143500" type="screen16x9"/>
   <p:notesSz cx="6858000" cy="9144000"/>
@@ -3971,12 +3982,28 @@
           <a:lstStyle/>
           <a:p>
             <a:r>
-              <a:rPr lang="en-US" cap="none" dirty="0" smtClean="0">
+              <a:rPr lang="en-US" cap="none" dirty="0">
                 <a:latin typeface="Adobe Gothic Std B" charset="-127"/>
                 <a:ea typeface="Adobe Gothic Std B" charset="-127"/>
                 <a:cs typeface="Adobe Gothic Std B" charset="-127"/>
               </a:rPr>
-              <a:t>Clone Class Repo</a:t>
+              <a:t>http://</a:t>
+            </a:r>
+            <a:r>
+              <a:rPr lang="en-US" cap="none" dirty="0" err="1">
+                <a:latin typeface="Adobe Gothic Std B" charset="-127"/>
+                <a:ea typeface="Adobe Gothic Std B" charset="-127"/>
+                <a:cs typeface="Adobe Gothic Std B" charset="-127"/>
+              </a:rPr>
+              <a:t>bit.ly</a:t>
+            </a:r>
+            <a:r>
+              <a:rPr lang="en-US" cap="none" dirty="0">
+                <a:latin typeface="Adobe Gothic Std B" charset="-127"/>
+                <a:ea typeface="Adobe Gothic Std B" charset="-127"/>
+                <a:cs typeface="Adobe Gothic Std B" charset="-127"/>
+              </a:rPr>
+              <a:t>/BUAD5082</a:t>
             </a:r>
             <a:endParaRPr lang="en-US" cap="none" dirty="0">
               <a:latin typeface="Adobe Gothic Std B" charset="-127"/>
@@ -3986,15 +4013,36 @@
           </a:p>
         </p:txBody>
       </p:sp>
+      <p:sp>
+        <p:nvSpPr>
+          <p:cNvPr id="4" name="Slide Number Placeholder 3"/>
+          <p:cNvSpPr>
+            <a:spLocks noGrp="1"/>
+          </p:cNvSpPr>
+          <p:nvPr>
+            <p:ph type="sldNum" sz="quarter" idx="12"/>
+          </p:nvPr>
+        </p:nvSpPr>
+        <p:spPr/>
+        <p:txBody>
+          <a:bodyPr/>
+          <a:lstStyle/>
+          <a:p>
+            <a:fld id="{CFB0E020-FD70-774F-88AD-BC4F91F264AC}" type="slidenum">
+              <a:rPr lang="en-US" smtClean="0"/>
+              <a:t>10</a:t>
+            </a:fld>
+            <a:endParaRPr lang="en-US"/>
+          </a:p>
+        </p:txBody>
+      </p:sp>
       <p:pic>
         <p:nvPicPr>
-          <p:cNvPr id="5" name="Content Placeholder 4"/>
+          <p:cNvPr id="5" name="Picture 4"/>
           <p:cNvPicPr>
-            <a:picLocks noGrp="1" noChangeAspect="1"/>
+            <a:picLocks noChangeAspect="1"/>
           </p:cNvPicPr>
-          <p:nvPr>
-            <p:ph idx="1"/>
-          </p:nvPr>
+          <p:nvPr/>
         </p:nvPicPr>
         <p:blipFill>
           <a:blip r:embed="rId2">
@@ -4010,44 +4058,61 @@
         </p:blipFill>
         <p:spPr>
           <a:xfrm>
-            <a:off x="457200" y="3592504"/>
-            <a:ext cx="8229600" cy="851620"/>
+            <a:off x="1586284" y="1415527"/>
+            <a:ext cx="5971431" cy="3166835"/>
           </a:xfrm>
+          <a:prstGeom prst="rect">
+            <a:avLst/>
+          </a:prstGeom>
+          <a:solidFill>
+            <a:srgbClr val="FFFFFF">
+              <a:shade val="85000"/>
+            </a:srgbClr>
+          </a:solidFill>
+          <a:ln w="88900" cap="sq">
+            <a:solidFill>
+              <a:srgbClr val="FFFFFF"/>
+            </a:solidFill>
+            <a:miter lim="800000"/>
+          </a:ln>
+          <a:effectLst>
+            <a:outerShdw blurRad="55000" dist="18000" dir="5400000" algn="tl" rotWithShape="0">
+              <a:srgbClr val="000000">
+                <a:alpha val="40000"/>
+              </a:srgbClr>
+            </a:outerShdw>
+          </a:effectLst>
+          <a:scene3d>
+            <a:camera prst="orthographicFront"/>
+            <a:lightRig rig="twoPt" dir="t">
+              <a:rot lat="0" lon="0" rev="7200000"/>
+            </a:lightRig>
+          </a:scene3d>
+          <a:sp3d>
+            <a:bevelT w="25400" h="19050"/>
+            <a:contourClr>
+              <a:srgbClr val="FFFFFF"/>
+            </a:contourClr>
+          </a:sp3d>
         </p:spPr>
       </p:pic>
-      <p:sp>
-        <p:nvSpPr>
-          <p:cNvPr id="4" name="Slide Number Placeholder 3"/>
-          <p:cNvSpPr>
-            <a:spLocks noGrp="1"/>
-          </p:cNvSpPr>
-          <p:nvPr>
-            <p:ph type="sldNum" sz="quarter" idx="12"/>
-          </p:nvPr>
-        </p:nvSpPr>
-        <p:spPr/>
-        <p:txBody>
-          <a:bodyPr/>
-          <a:lstStyle/>
-          <a:p>
-            <a:fld id="{CFB0E020-FD70-774F-88AD-BC4F91F264AC}" type="slidenum">
-              <a:rPr lang="en-US" smtClean="0"/>
-              <a:t>10</a:t>
-            </a:fld>
-            <a:endParaRPr lang="en-US"/>
-          </a:p>
-        </p:txBody>
-      </p:sp>
     </p:spTree>
     <p:extLst>
       <p:ext uri="{BB962C8B-B14F-4D97-AF65-F5344CB8AC3E}">
-        <p14:creationId xmlns:p14="http://schemas.microsoft.com/office/powerpoint/2010/main" val="1550963417"/>
+        <p14:creationId xmlns:p14="http://schemas.microsoft.com/office/powerpoint/2010/main" val="171458587"/>
       </p:ext>
     </p:extLst>
   </p:cSld>
   <p:clrMapOvr>
     <a:masterClrMapping/>
   </p:clrMapOvr>
+  <p:timing>
+    <p:tnLst>
+      <p:par>
+        <p:cTn id="1" dur="indefinite" restart="never" nodeType="tmRoot"/>
+      </p:par>
+    </p:tnLst>
+  </p:timing>
 </p:sld>
 </file>
 
@@ -4080,75 +4145,24 @@
         </p:nvSpPr>
         <p:spPr/>
         <p:txBody>
-          <a:bodyPr/>
+          <a:bodyPr>
+            <a:normAutofit/>
+          </a:bodyPr>
           <a:lstStyle/>
           <a:p>
-            <a:endParaRPr lang="en-US"/>
-          </a:p>
-        </p:txBody>
-      </p:sp>
-      <p:sp>
-        <p:nvSpPr>
-          <p:cNvPr id="3" name="Content Placeholder 2"/>
-          <p:cNvSpPr>
-            <a:spLocks noGrp="1"/>
-          </p:cNvSpPr>
-          <p:nvPr>
-            <p:ph idx="1"/>
-          </p:nvPr>
-        </p:nvSpPr>
-        <p:spPr/>
-        <p:txBody>
-          <a:bodyPr/>
-          <a:lstStyle/>
-          <a:p>
-            <a:r>
-              <a:rPr lang="en-US" dirty="0">
-                <a:hlinkClick r:id="rId2"/>
+            <a:r>
+              <a:rPr lang="en-US" cap="none" dirty="0" smtClean="0">
+                <a:latin typeface="Adobe Gothic Std B" charset="-127"/>
+                <a:ea typeface="Adobe Gothic Std B" charset="-127"/>
+                <a:cs typeface="Adobe Gothic Std B" charset="-127"/>
               </a:rPr>
-              <a:t>https://</a:t>
-            </a:r>
-            <a:r>
-              <a:rPr lang="en-US" dirty="0" smtClean="0">
-                <a:hlinkClick r:id="rId2"/>
-              </a:rPr>
-              <a:t>git-scm.com/book/en/v2</a:t>
-            </a:r>
-            <a:endParaRPr lang="en-US" dirty="0" smtClean="0"/>
-          </a:p>
-          <a:p>
-            <a:r>
-              <a:rPr lang="en-US" dirty="0"/>
-              <a:t>https://</a:t>
-            </a:r>
-            <a:r>
-              <a:rPr lang="en-US" dirty="0" err="1"/>
-              <a:t>services.github.com</a:t>
-            </a:r>
-            <a:r>
-              <a:rPr lang="en-US" dirty="0"/>
-              <a:t>/on-demand/downloads/</a:t>
-            </a:r>
-            <a:r>
-              <a:rPr lang="en-US" dirty="0" err="1"/>
-              <a:t>github</a:t>
-            </a:r>
-            <a:r>
-              <a:rPr lang="en-US" dirty="0"/>
-              <a:t>-</a:t>
-            </a:r>
-            <a:r>
-              <a:rPr lang="en-US" dirty="0" err="1"/>
-              <a:t>git</a:t>
-            </a:r>
-            <a:r>
-              <a:rPr lang="en-US" dirty="0"/>
-              <a:t>-cheat-</a:t>
-            </a:r>
-            <a:r>
-              <a:rPr lang="en-US"/>
-              <a:t>sheet.pdf</a:t>
-            </a:r>
+              <a:t>Clone Class Repo</a:t>
+            </a:r>
+            <a:endParaRPr lang="en-US" cap="none" dirty="0">
+              <a:latin typeface="Adobe Gothic Std B" charset="-127"/>
+              <a:ea typeface="Adobe Gothic Std B" charset="-127"/>
+              <a:cs typeface="Adobe Gothic Std B" charset="-127"/>
+            </a:endParaRPr>
           </a:p>
         </p:txBody>
       </p:sp>
@@ -4175,16 +4189,1504 @@
           </a:p>
         </p:txBody>
       </p:sp>
+      <p:pic>
+        <p:nvPicPr>
+          <p:cNvPr id="6" name="Content Placeholder 5"/>
+          <p:cNvPicPr>
+            <a:picLocks noGrp="1" noChangeAspect="1"/>
+          </p:cNvPicPr>
+          <p:nvPr>
+            <p:ph idx="1"/>
+          </p:nvPr>
+        </p:nvPicPr>
+        <p:blipFill>
+          <a:blip r:embed="rId2">
+            <a:extLst>
+              <a:ext uri="{28A0092B-C50C-407E-A947-70E740481C1C}">
+                <a14:useLocalDpi xmlns:a14="http://schemas.microsoft.com/office/drawing/2010/main" val="0"/>
+              </a:ext>
+            </a:extLst>
+          </a:blip>
+          <a:stretch>
+            <a:fillRect/>
+          </a:stretch>
+        </p:blipFill>
+        <p:spPr>
+          <a:xfrm>
+            <a:off x="257426" y="3425514"/>
+            <a:ext cx="8568522" cy="1048709"/>
+          </a:xfrm>
+        </p:spPr>
+      </p:pic>
+      <p:pic>
+        <p:nvPicPr>
+          <p:cNvPr id="7" name="Picture 6"/>
+          <p:cNvPicPr>
+            <a:picLocks noChangeAspect="1"/>
+          </p:cNvPicPr>
+          <p:nvPr/>
+        </p:nvPicPr>
+        <p:blipFill>
+          <a:blip r:embed="rId3">
+            <a:extLst>
+              <a:ext uri="{28A0092B-C50C-407E-A947-70E740481C1C}">
+                <a14:useLocalDpi xmlns:a14="http://schemas.microsoft.com/office/drawing/2010/main" val="0"/>
+              </a:ext>
+            </a:extLst>
+          </a:blip>
+          <a:stretch>
+            <a:fillRect/>
+          </a:stretch>
+        </p:blipFill>
+        <p:spPr>
+          <a:xfrm>
+            <a:off x="4293705" y="1170549"/>
+            <a:ext cx="4476585" cy="2083517"/>
+          </a:xfrm>
+          <a:prstGeom prst="rect">
+            <a:avLst/>
+          </a:prstGeom>
+          <a:solidFill>
+            <a:srgbClr val="FFFFFF">
+              <a:shade val="85000"/>
+            </a:srgbClr>
+          </a:solidFill>
+          <a:ln w="88900" cap="sq">
+            <a:solidFill>
+              <a:srgbClr val="FFFFFF"/>
+            </a:solidFill>
+            <a:miter lim="800000"/>
+          </a:ln>
+          <a:effectLst>
+            <a:outerShdw blurRad="55000" dist="18000" dir="5400000" algn="tl" rotWithShape="0">
+              <a:srgbClr val="000000">
+                <a:alpha val="40000"/>
+              </a:srgbClr>
+            </a:outerShdw>
+          </a:effectLst>
+          <a:scene3d>
+            <a:camera prst="orthographicFront"/>
+            <a:lightRig rig="twoPt" dir="t">
+              <a:rot lat="0" lon="0" rev="7200000"/>
+            </a:lightRig>
+          </a:scene3d>
+          <a:sp3d>
+            <a:bevelT w="25400" h="19050"/>
+            <a:contourClr>
+              <a:srgbClr val="FFFFFF"/>
+            </a:contourClr>
+          </a:sp3d>
+        </p:spPr>
+      </p:pic>
+      <p:sp>
+        <p:nvSpPr>
+          <p:cNvPr id="8" name="Oval 7"/>
+          <p:cNvSpPr/>
+          <p:nvPr/>
+        </p:nvSpPr>
+        <p:spPr>
+          <a:xfrm>
+            <a:off x="6901732" y="2492087"/>
+            <a:ext cx="1455086" cy="187503"/>
+          </a:xfrm>
+          <a:prstGeom prst="ellipse">
+            <a:avLst/>
+          </a:prstGeom>
+          <a:noFill/>
+          <a:ln w="38100">
+            <a:solidFill>
+              <a:srgbClr val="FF0000"/>
+            </a:solidFill>
+          </a:ln>
+        </p:spPr>
+        <p:style>
+          <a:lnRef idx="1">
+            <a:schemeClr val="accent1"/>
+          </a:lnRef>
+          <a:fillRef idx="3">
+            <a:schemeClr val="accent1"/>
+          </a:fillRef>
+          <a:effectRef idx="2">
+            <a:schemeClr val="accent1"/>
+          </a:effectRef>
+          <a:fontRef idx="minor">
+            <a:schemeClr val="lt1"/>
+          </a:fontRef>
+        </p:style>
+        <p:txBody>
+          <a:bodyPr rtlCol="0" anchor="ctr"/>
+          <a:lstStyle/>
+          <a:p>
+            <a:pPr algn="ctr"/>
+            <a:endParaRPr lang="en-US"/>
+          </a:p>
+        </p:txBody>
+      </p:sp>
+      <p:sp>
+        <p:nvSpPr>
+          <p:cNvPr id="9" name="Right Arrow 8"/>
+          <p:cNvSpPr/>
+          <p:nvPr/>
+        </p:nvSpPr>
+        <p:spPr>
+          <a:xfrm rot="10800000">
+            <a:off x="8364773" y="2065209"/>
+            <a:ext cx="397566" cy="246490"/>
+          </a:xfrm>
+          <a:prstGeom prst="rightArrow">
+            <a:avLst/>
+          </a:prstGeom>
+          <a:solidFill>
+            <a:srgbClr val="FF0000"/>
+          </a:solidFill>
+          <a:ln>
+            <a:solidFill>
+              <a:srgbClr val="FF0000"/>
+            </a:solidFill>
+          </a:ln>
+        </p:spPr>
+        <p:style>
+          <a:lnRef idx="1">
+            <a:schemeClr val="accent1"/>
+          </a:lnRef>
+          <a:fillRef idx="3">
+            <a:schemeClr val="accent1"/>
+          </a:fillRef>
+          <a:effectRef idx="2">
+            <a:schemeClr val="accent1"/>
+          </a:effectRef>
+          <a:fontRef idx="minor">
+            <a:schemeClr val="lt1"/>
+          </a:fontRef>
+        </p:style>
+        <p:txBody>
+          <a:bodyPr rtlCol="0" anchor="ctr"/>
+          <a:lstStyle/>
+          <a:p>
+            <a:pPr algn="ctr"/>
+            <a:endParaRPr lang="en-US"/>
+          </a:p>
+        </p:txBody>
+      </p:sp>
+      <p:sp>
+        <p:nvSpPr>
+          <p:cNvPr id="11" name="Rounded Rectangle 10"/>
+          <p:cNvSpPr/>
+          <p:nvPr/>
+        </p:nvSpPr>
+        <p:spPr>
+          <a:xfrm>
+            <a:off x="241524" y="1423284"/>
+            <a:ext cx="4489503" cy="520749"/>
+          </a:xfrm>
+          <a:prstGeom prst="roundRect">
+            <a:avLst/>
+          </a:prstGeom>
+          <a:solidFill>
+            <a:schemeClr val="tx1"/>
+          </a:solidFill>
+          <a:ln>
+            <a:solidFill>
+              <a:schemeClr val="tx1"/>
+            </a:solidFill>
+          </a:ln>
+        </p:spPr>
+        <p:style>
+          <a:lnRef idx="1">
+            <a:schemeClr val="accent1"/>
+          </a:lnRef>
+          <a:fillRef idx="3">
+            <a:schemeClr val="accent1"/>
+          </a:fillRef>
+          <a:effectRef idx="2">
+            <a:schemeClr val="accent1"/>
+          </a:effectRef>
+          <a:fontRef idx="minor">
+            <a:schemeClr val="lt1"/>
+          </a:fontRef>
+        </p:style>
+        <p:txBody>
+          <a:bodyPr rtlCol="0" anchor="ctr"/>
+          <a:lstStyle/>
+          <a:p>
+            <a:pPr algn="ctr"/>
+            <a:endParaRPr lang="en-US"/>
+          </a:p>
+        </p:txBody>
+      </p:sp>
+      <p:sp>
+        <p:nvSpPr>
+          <p:cNvPr id="10" name="TextBox 9"/>
+          <p:cNvSpPr txBox="1"/>
+          <p:nvPr/>
+        </p:nvSpPr>
+        <p:spPr>
+          <a:xfrm>
+            <a:off x="169961" y="1367209"/>
+            <a:ext cx="4767799" cy="584775"/>
+          </a:xfrm>
+          <a:prstGeom prst="rect">
+            <a:avLst/>
+          </a:prstGeom>
+          <a:noFill/>
+        </p:spPr>
+        <p:txBody>
+          <a:bodyPr wrap="square" rtlCol="0">
+            <a:spAutoFit/>
+          </a:bodyPr>
+          <a:lstStyle/>
+          <a:p>
+            <a:r>
+              <a:rPr lang="en-US" sz="3200" dirty="0" err="1">
+                <a:solidFill>
+                  <a:srgbClr val="67D025"/>
+                </a:solidFill>
+                <a:latin typeface="Consolas" charset="0"/>
+                <a:ea typeface="Consolas" charset="0"/>
+                <a:cs typeface="Consolas" charset="0"/>
+              </a:rPr>
+              <a:t>git</a:t>
+            </a:r>
+            <a:r>
+              <a:rPr lang="en-US" sz="3200" dirty="0">
+                <a:solidFill>
+                  <a:srgbClr val="67D025"/>
+                </a:solidFill>
+                <a:latin typeface="Consolas" charset="0"/>
+                <a:ea typeface="Consolas" charset="0"/>
+                <a:cs typeface="Consolas" charset="0"/>
+              </a:rPr>
+              <a:t> clone {Repo URL}</a:t>
+            </a:r>
+            <a:endParaRPr lang="en-US" sz="3200" dirty="0">
+              <a:solidFill>
+                <a:srgbClr val="67D025"/>
+              </a:solidFill>
+              <a:latin typeface="Consolas" charset="0"/>
+              <a:ea typeface="Consolas" charset="0"/>
+              <a:cs typeface="Consolas" charset="0"/>
+            </a:endParaRPr>
+          </a:p>
+        </p:txBody>
+      </p:sp>
     </p:spTree>
     <p:extLst>
       <p:ext uri="{BB962C8B-B14F-4D97-AF65-F5344CB8AC3E}">
-        <p14:creationId xmlns:p14="http://schemas.microsoft.com/office/powerpoint/2010/main" val="109236800"/>
+        <p14:creationId xmlns:p14="http://schemas.microsoft.com/office/powerpoint/2010/main" val="1550963417"/>
       </p:ext>
     </p:extLst>
   </p:cSld>
   <p:clrMapOvr>
     <a:masterClrMapping/>
   </p:clrMapOvr>
+  <p:timing>
+    <p:tnLst>
+      <p:par>
+        <p:cTn id="1" dur="indefinite" restart="never" nodeType="tmRoot"/>
+      </p:par>
+    </p:tnLst>
+  </p:timing>
+</p:sld>
+</file>
+
+<file path=ppt/slides/slide12.xml><?xml version="1.0" encoding="utf-8"?>
+<p:sld xmlns:a="http://schemas.openxmlformats.org/drawingml/2006/main" xmlns:r="http://schemas.openxmlformats.org/officeDocument/2006/relationships" xmlns:p="http://schemas.openxmlformats.org/presentationml/2006/main">
+  <p:cSld>
+    <p:spTree>
+      <p:nvGrpSpPr>
+        <p:cNvPr id="1" name=""/>
+        <p:cNvGrpSpPr/>
+        <p:nvPr/>
+      </p:nvGrpSpPr>
+      <p:grpSpPr>
+        <a:xfrm>
+          <a:off x="0" y="0"/>
+          <a:ext cx="0" cy="0"/>
+          <a:chOff x="0" y="0"/>
+          <a:chExt cx="0" cy="0"/>
+        </a:xfrm>
+      </p:grpSpPr>
+      <p:sp>
+        <p:nvSpPr>
+          <p:cNvPr id="2" name="Title 1"/>
+          <p:cNvSpPr>
+            <a:spLocks noGrp="1"/>
+          </p:cNvSpPr>
+          <p:nvPr>
+            <p:ph type="title"/>
+          </p:nvPr>
+        </p:nvSpPr>
+        <p:spPr/>
+        <p:txBody>
+          <a:bodyPr>
+            <a:normAutofit/>
+          </a:bodyPr>
+          <a:lstStyle/>
+          <a:p>
+            <a:r>
+              <a:rPr lang="en-US" cap="none" dirty="0" smtClean="0">
+                <a:latin typeface="Adobe Gothic Std B" charset="-127"/>
+                <a:ea typeface="Adobe Gothic Std B" charset="-127"/>
+                <a:cs typeface="Adobe Gothic Std B" charset="-127"/>
+              </a:rPr>
+              <a:t>Clone Class Repo</a:t>
+            </a:r>
+            <a:endParaRPr lang="en-US" cap="none" dirty="0">
+              <a:latin typeface="Adobe Gothic Std B" charset="-127"/>
+              <a:ea typeface="Adobe Gothic Std B" charset="-127"/>
+              <a:cs typeface="Adobe Gothic Std B" charset="-127"/>
+            </a:endParaRPr>
+          </a:p>
+        </p:txBody>
+      </p:sp>
+      <p:sp>
+        <p:nvSpPr>
+          <p:cNvPr id="4" name="Slide Number Placeholder 3"/>
+          <p:cNvSpPr>
+            <a:spLocks noGrp="1"/>
+          </p:cNvSpPr>
+          <p:nvPr>
+            <p:ph type="sldNum" sz="quarter" idx="12"/>
+          </p:nvPr>
+        </p:nvSpPr>
+        <p:spPr/>
+        <p:txBody>
+          <a:bodyPr/>
+          <a:lstStyle/>
+          <a:p>
+            <a:fld id="{CFB0E020-FD70-774F-88AD-BC4F91F264AC}" type="slidenum">
+              <a:rPr lang="en-US" smtClean="0"/>
+              <a:t>12</a:t>
+            </a:fld>
+            <a:endParaRPr lang="en-US"/>
+          </a:p>
+        </p:txBody>
+      </p:sp>
+      <p:pic>
+        <p:nvPicPr>
+          <p:cNvPr id="5" name="Picture 4"/>
+          <p:cNvPicPr>
+            <a:picLocks noChangeAspect="1"/>
+          </p:cNvPicPr>
+          <p:nvPr/>
+        </p:nvPicPr>
+        <p:blipFill>
+          <a:blip r:embed="rId2">
+            <a:extLst>
+              <a:ext uri="{28A0092B-C50C-407E-A947-70E740481C1C}">
+                <a14:useLocalDpi xmlns:a14="http://schemas.microsoft.com/office/drawing/2010/main" val="0"/>
+              </a:ext>
+            </a:extLst>
+          </a:blip>
+          <a:stretch>
+            <a:fillRect/>
+          </a:stretch>
+        </p:blipFill>
+        <p:spPr>
+          <a:xfrm>
+            <a:off x="1714500" y="1891681"/>
+            <a:ext cx="5715000" cy="2006600"/>
+          </a:xfrm>
+          <a:prstGeom prst="rect">
+            <a:avLst/>
+          </a:prstGeom>
+          <a:solidFill>
+            <a:srgbClr val="FFFFFF">
+              <a:shade val="85000"/>
+            </a:srgbClr>
+          </a:solidFill>
+          <a:ln w="88900" cap="sq">
+            <a:solidFill>
+              <a:srgbClr val="FFFFFF"/>
+            </a:solidFill>
+            <a:miter lim="800000"/>
+          </a:ln>
+          <a:effectLst>
+            <a:outerShdw blurRad="55000" dist="18000" dir="5400000" algn="tl" rotWithShape="0">
+              <a:srgbClr val="000000">
+                <a:alpha val="40000"/>
+              </a:srgbClr>
+            </a:outerShdw>
+          </a:effectLst>
+          <a:scene3d>
+            <a:camera prst="orthographicFront"/>
+            <a:lightRig rig="twoPt" dir="t">
+              <a:rot lat="0" lon="0" rev="7200000"/>
+            </a:lightRig>
+          </a:scene3d>
+          <a:sp3d>
+            <a:bevelT w="25400" h="19050"/>
+            <a:contourClr>
+              <a:srgbClr val="FFFFFF"/>
+            </a:contourClr>
+          </a:sp3d>
+        </p:spPr>
+      </p:pic>
+    </p:spTree>
+    <p:extLst>
+      <p:ext uri="{BB962C8B-B14F-4D97-AF65-F5344CB8AC3E}">
+        <p14:creationId xmlns:p14="http://schemas.microsoft.com/office/powerpoint/2010/main" val="2142936405"/>
+      </p:ext>
+    </p:extLst>
+  </p:cSld>
+  <p:clrMapOvr>
+    <a:masterClrMapping/>
+  </p:clrMapOvr>
+  <p:timing>
+    <p:tnLst>
+      <p:par>
+        <p:cTn id="1" dur="indefinite" restart="never" nodeType="tmRoot"/>
+      </p:par>
+    </p:tnLst>
+  </p:timing>
+</p:sld>
+</file>
+
+<file path=ppt/slides/slide13.xml><?xml version="1.0" encoding="utf-8"?>
+<p:sld xmlns:a="http://schemas.openxmlformats.org/drawingml/2006/main" xmlns:r="http://schemas.openxmlformats.org/officeDocument/2006/relationships" xmlns:p="http://schemas.openxmlformats.org/presentationml/2006/main">
+  <p:cSld>
+    <p:spTree>
+      <p:nvGrpSpPr>
+        <p:cNvPr id="1" name=""/>
+        <p:cNvGrpSpPr/>
+        <p:nvPr/>
+      </p:nvGrpSpPr>
+      <p:grpSpPr>
+        <a:xfrm>
+          <a:off x="0" y="0"/>
+          <a:ext cx="0" cy="0"/>
+          <a:chOff x="0" y="0"/>
+          <a:chExt cx="0" cy="0"/>
+        </a:xfrm>
+      </p:grpSpPr>
+      <p:sp>
+        <p:nvSpPr>
+          <p:cNvPr id="2" name="Title 1"/>
+          <p:cNvSpPr>
+            <a:spLocks noGrp="1"/>
+          </p:cNvSpPr>
+          <p:nvPr>
+            <p:ph type="title"/>
+          </p:nvPr>
+        </p:nvSpPr>
+        <p:spPr/>
+        <p:txBody>
+          <a:bodyPr>
+            <a:normAutofit/>
+          </a:bodyPr>
+          <a:lstStyle/>
+          <a:p>
+            <a:r>
+              <a:rPr lang="en-US" cap="none" dirty="0" smtClean="0">
+                <a:latin typeface="Adobe Gothic Std B" charset="-127"/>
+                <a:ea typeface="Adobe Gothic Std B" charset="-127"/>
+                <a:cs typeface="Adobe Gothic Std B" charset="-127"/>
+              </a:rPr>
+              <a:t>Branching</a:t>
+            </a:r>
+            <a:endParaRPr lang="en-US" cap="none" dirty="0">
+              <a:latin typeface="Adobe Gothic Std B" charset="-127"/>
+              <a:ea typeface="Adobe Gothic Std B" charset="-127"/>
+              <a:cs typeface="Adobe Gothic Std B" charset="-127"/>
+            </a:endParaRPr>
+          </a:p>
+        </p:txBody>
+      </p:sp>
+      <p:sp>
+        <p:nvSpPr>
+          <p:cNvPr id="4" name="Slide Number Placeholder 3"/>
+          <p:cNvSpPr>
+            <a:spLocks noGrp="1"/>
+          </p:cNvSpPr>
+          <p:nvPr>
+            <p:ph type="sldNum" sz="quarter" idx="12"/>
+          </p:nvPr>
+        </p:nvSpPr>
+        <p:spPr/>
+        <p:txBody>
+          <a:bodyPr/>
+          <a:lstStyle/>
+          <a:p>
+            <a:fld id="{CFB0E020-FD70-774F-88AD-BC4F91F264AC}" type="slidenum">
+              <a:rPr lang="en-US" smtClean="0"/>
+              <a:t>13</a:t>
+            </a:fld>
+            <a:endParaRPr lang="en-US"/>
+          </a:p>
+        </p:txBody>
+      </p:sp>
+      <p:pic>
+        <p:nvPicPr>
+          <p:cNvPr id="5" name="Picture 4"/>
+          <p:cNvPicPr>
+            <a:picLocks noChangeAspect="1"/>
+          </p:cNvPicPr>
+          <p:nvPr/>
+        </p:nvPicPr>
+        <p:blipFill>
+          <a:blip r:embed="rId2">
+            <a:extLst>
+              <a:ext uri="{28A0092B-C50C-407E-A947-70E740481C1C}">
+                <a14:useLocalDpi xmlns:a14="http://schemas.microsoft.com/office/drawing/2010/main" val="0"/>
+              </a:ext>
+            </a:extLst>
+          </a:blip>
+          <a:stretch>
+            <a:fillRect/>
+          </a:stretch>
+        </p:blipFill>
+        <p:spPr>
+          <a:xfrm>
+            <a:off x="0" y="1409700"/>
+            <a:ext cx="9144000" cy="2301255"/>
+          </a:xfrm>
+          <a:prstGeom prst="rect">
+            <a:avLst/>
+          </a:prstGeom>
+        </p:spPr>
+      </p:pic>
+    </p:spTree>
+    <p:extLst>
+      <p:ext uri="{BB962C8B-B14F-4D97-AF65-F5344CB8AC3E}">
+        <p14:creationId xmlns:p14="http://schemas.microsoft.com/office/powerpoint/2010/main" val="1361122703"/>
+      </p:ext>
+    </p:extLst>
+  </p:cSld>
+  <p:clrMapOvr>
+    <a:masterClrMapping/>
+  </p:clrMapOvr>
+  <p:timing>
+    <p:tnLst>
+      <p:par>
+        <p:cTn id="1" dur="indefinite" restart="never" nodeType="tmRoot"/>
+      </p:par>
+    </p:tnLst>
+  </p:timing>
+</p:sld>
+</file>
+
+<file path=ppt/slides/slide14.xml><?xml version="1.0" encoding="utf-8"?>
+<p:sld xmlns:a="http://schemas.openxmlformats.org/drawingml/2006/main" xmlns:r="http://schemas.openxmlformats.org/officeDocument/2006/relationships" xmlns:p="http://schemas.openxmlformats.org/presentationml/2006/main">
+  <p:cSld>
+    <p:spTree>
+      <p:nvGrpSpPr>
+        <p:cNvPr id="1" name=""/>
+        <p:cNvGrpSpPr/>
+        <p:nvPr/>
+      </p:nvGrpSpPr>
+      <p:grpSpPr>
+        <a:xfrm>
+          <a:off x="0" y="0"/>
+          <a:ext cx="0" cy="0"/>
+          <a:chOff x="0" y="0"/>
+          <a:chExt cx="0" cy="0"/>
+        </a:xfrm>
+      </p:grpSpPr>
+      <p:sp>
+        <p:nvSpPr>
+          <p:cNvPr id="2" name="Title 1"/>
+          <p:cNvSpPr>
+            <a:spLocks noGrp="1"/>
+          </p:cNvSpPr>
+          <p:nvPr>
+            <p:ph type="title"/>
+          </p:nvPr>
+        </p:nvSpPr>
+        <p:spPr/>
+        <p:txBody>
+          <a:bodyPr>
+            <a:normAutofit/>
+          </a:bodyPr>
+          <a:lstStyle/>
+          <a:p>
+            <a:r>
+              <a:rPr lang="en-US" cap="none" dirty="0" smtClean="0">
+                <a:latin typeface="Adobe Gothic Std B" charset="-127"/>
+                <a:ea typeface="Adobe Gothic Std B" charset="-127"/>
+                <a:cs typeface="Adobe Gothic Std B" charset="-127"/>
+              </a:rPr>
+              <a:t>Create Repo</a:t>
+            </a:r>
+            <a:endParaRPr lang="en-US" cap="none" dirty="0">
+              <a:latin typeface="Adobe Gothic Std B" charset="-127"/>
+              <a:ea typeface="Adobe Gothic Std B" charset="-127"/>
+              <a:cs typeface="Adobe Gothic Std B" charset="-127"/>
+            </a:endParaRPr>
+          </a:p>
+        </p:txBody>
+      </p:sp>
+      <p:sp>
+        <p:nvSpPr>
+          <p:cNvPr id="4" name="Slide Number Placeholder 3"/>
+          <p:cNvSpPr>
+            <a:spLocks noGrp="1"/>
+          </p:cNvSpPr>
+          <p:nvPr>
+            <p:ph type="sldNum" sz="quarter" idx="12"/>
+          </p:nvPr>
+        </p:nvSpPr>
+        <p:spPr/>
+        <p:txBody>
+          <a:bodyPr/>
+          <a:lstStyle/>
+          <a:p>
+            <a:fld id="{CFB0E020-FD70-774F-88AD-BC4F91F264AC}" type="slidenum">
+              <a:rPr lang="en-US" smtClean="0"/>
+              <a:t>14</a:t>
+            </a:fld>
+            <a:endParaRPr lang="en-US"/>
+          </a:p>
+        </p:txBody>
+      </p:sp>
+      <p:pic>
+        <p:nvPicPr>
+          <p:cNvPr id="3" name="Picture 2"/>
+          <p:cNvPicPr>
+            <a:picLocks noChangeAspect="1"/>
+          </p:cNvPicPr>
+          <p:nvPr/>
+        </p:nvPicPr>
+        <p:blipFill rotWithShape="1">
+          <a:blip r:embed="rId2">
+            <a:extLst>
+              <a:ext uri="{28A0092B-C50C-407E-A947-70E740481C1C}">
+                <a14:useLocalDpi xmlns:a14="http://schemas.microsoft.com/office/drawing/2010/main" val="0"/>
+              </a:ext>
+            </a:extLst>
+          </a:blip>
+          <a:srcRect t="90126"/>
+          <a:stretch/>
+        </p:blipFill>
+        <p:spPr>
+          <a:xfrm>
+            <a:off x="457200" y="2210462"/>
+            <a:ext cx="8142737" cy="930513"/>
+          </a:xfrm>
+          <a:prstGeom prst="rect">
+            <a:avLst/>
+          </a:prstGeom>
+          <a:solidFill>
+            <a:srgbClr val="FFFFFF">
+              <a:shade val="85000"/>
+            </a:srgbClr>
+          </a:solidFill>
+          <a:ln w="88900" cap="sq">
+            <a:solidFill>
+              <a:srgbClr val="FFFFFF"/>
+            </a:solidFill>
+            <a:miter lim="800000"/>
+          </a:ln>
+          <a:effectLst>
+            <a:outerShdw blurRad="55000" dist="18000" dir="5400000" algn="tl" rotWithShape="0">
+              <a:srgbClr val="000000">
+                <a:alpha val="40000"/>
+              </a:srgbClr>
+            </a:outerShdw>
+          </a:effectLst>
+          <a:scene3d>
+            <a:camera prst="orthographicFront"/>
+            <a:lightRig rig="twoPt" dir="t">
+              <a:rot lat="0" lon="0" rev="7200000"/>
+            </a:lightRig>
+          </a:scene3d>
+          <a:sp3d>
+            <a:bevelT w="25400" h="19050"/>
+            <a:contourClr>
+              <a:srgbClr val="FFFFFF"/>
+            </a:contourClr>
+          </a:sp3d>
+        </p:spPr>
+      </p:pic>
+    </p:spTree>
+    <p:extLst>
+      <p:ext uri="{BB962C8B-B14F-4D97-AF65-F5344CB8AC3E}">
+        <p14:creationId xmlns:p14="http://schemas.microsoft.com/office/powerpoint/2010/main" val="867077848"/>
+      </p:ext>
+    </p:extLst>
+  </p:cSld>
+  <p:clrMapOvr>
+    <a:masterClrMapping/>
+  </p:clrMapOvr>
+  <p:timing>
+    <p:tnLst>
+      <p:par>
+        <p:cTn id="1" dur="indefinite" restart="never" nodeType="tmRoot"/>
+      </p:par>
+    </p:tnLst>
+  </p:timing>
+</p:sld>
+</file>
+
+<file path=ppt/slides/slide15.xml><?xml version="1.0" encoding="utf-8"?>
+<p:sld xmlns:a="http://schemas.openxmlformats.org/drawingml/2006/main" xmlns:r="http://schemas.openxmlformats.org/officeDocument/2006/relationships" xmlns:p="http://schemas.openxmlformats.org/presentationml/2006/main">
+  <p:cSld>
+    <p:spTree>
+      <p:nvGrpSpPr>
+        <p:cNvPr id="1" name=""/>
+        <p:cNvGrpSpPr/>
+        <p:nvPr/>
+      </p:nvGrpSpPr>
+      <p:grpSpPr>
+        <a:xfrm>
+          <a:off x="0" y="0"/>
+          <a:ext cx="0" cy="0"/>
+          <a:chOff x="0" y="0"/>
+          <a:chExt cx="0" cy="0"/>
+        </a:xfrm>
+      </p:grpSpPr>
+      <p:sp>
+        <p:nvSpPr>
+          <p:cNvPr id="2" name="Title 1"/>
+          <p:cNvSpPr>
+            <a:spLocks noGrp="1"/>
+          </p:cNvSpPr>
+          <p:nvPr>
+            <p:ph type="title"/>
+          </p:nvPr>
+        </p:nvSpPr>
+        <p:spPr/>
+        <p:txBody>
+          <a:bodyPr>
+            <a:normAutofit/>
+          </a:bodyPr>
+          <a:lstStyle/>
+          <a:p>
+            <a:r>
+              <a:rPr lang="en-US" cap="none" dirty="0" smtClean="0">
+                <a:latin typeface="Adobe Gothic Std B" charset="-127"/>
+                <a:ea typeface="Adobe Gothic Std B" charset="-127"/>
+                <a:cs typeface="Adobe Gothic Std B" charset="-127"/>
+              </a:rPr>
+              <a:t>Create master Branch</a:t>
+            </a:r>
+            <a:endParaRPr lang="en-US" cap="none" dirty="0">
+              <a:latin typeface="Adobe Gothic Std B" charset="-127"/>
+              <a:ea typeface="Adobe Gothic Std B" charset="-127"/>
+              <a:cs typeface="Adobe Gothic Std B" charset="-127"/>
+            </a:endParaRPr>
+          </a:p>
+        </p:txBody>
+      </p:sp>
+      <p:sp>
+        <p:nvSpPr>
+          <p:cNvPr id="4" name="Slide Number Placeholder 3"/>
+          <p:cNvSpPr>
+            <a:spLocks noGrp="1"/>
+          </p:cNvSpPr>
+          <p:nvPr>
+            <p:ph type="sldNum" sz="quarter" idx="12"/>
+          </p:nvPr>
+        </p:nvSpPr>
+        <p:spPr/>
+        <p:txBody>
+          <a:bodyPr/>
+          <a:lstStyle/>
+          <a:p>
+            <a:fld id="{CFB0E020-FD70-774F-88AD-BC4F91F264AC}" type="slidenum">
+              <a:rPr lang="en-US" smtClean="0"/>
+              <a:t>15</a:t>
+            </a:fld>
+            <a:endParaRPr lang="en-US"/>
+          </a:p>
+        </p:txBody>
+      </p:sp>
+      <p:pic>
+        <p:nvPicPr>
+          <p:cNvPr id="3" name="Picture 2"/>
+          <p:cNvPicPr>
+            <a:picLocks noChangeAspect="1"/>
+          </p:cNvPicPr>
+          <p:nvPr/>
+        </p:nvPicPr>
+        <p:blipFill rotWithShape="1">
+          <a:blip r:embed="rId2">
+            <a:extLst>
+              <a:ext uri="{28A0092B-C50C-407E-A947-70E740481C1C}">
+                <a14:useLocalDpi xmlns:a14="http://schemas.microsoft.com/office/drawing/2010/main" val="0"/>
+              </a:ext>
+            </a:extLst>
+          </a:blip>
+          <a:srcRect t="79110" b="11653"/>
+          <a:stretch/>
+        </p:blipFill>
+        <p:spPr>
+          <a:xfrm>
+            <a:off x="270345" y="2165908"/>
+            <a:ext cx="8747084" cy="935102"/>
+          </a:xfrm>
+          <a:prstGeom prst="rect">
+            <a:avLst/>
+          </a:prstGeom>
+          <a:solidFill>
+            <a:srgbClr val="FFFFFF">
+              <a:shade val="85000"/>
+            </a:srgbClr>
+          </a:solidFill>
+          <a:ln w="88900" cap="sq">
+            <a:solidFill>
+              <a:srgbClr val="FFFFFF"/>
+            </a:solidFill>
+            <a:miter lim="800000"/>
+          </a:ln>
+          <a:effectLst>
+            <a:outerShdw blurRad="55000" dist="18000" dir="5400000" algn="tl" rotWithShape="0">
+              <a:srgbClr val="000000">
+                <a:alpha val="40000"/>
+              </a:srgbClr>
+            </a:outerShdw>
+          </a:effectLst>
+          <a:scene3d>
+            <a:camera prst="orthographicFront"/>
+            <a:lightRig rig="twoPt" dir="t">
+              <a:rot lat="0" lon="0" rev="7200000"/>
+            </a:lightRig>
+          </a:scene3d>
+          <a:sp3d>
+            <a:bevelT w="25400" h="19050"/>
+            <a:contourClr>
+              <a:srgbClr val="FFFFFF"/>
+            </a:contourClr>
+          </a:sp3d>
+        </p:spPr>
+      </p:pic>
+    </p:spTree>
+    <p:extLst>
+      <p:ext uri="{BB962C8B-B14F-4D97-AF65-F5344CB8AC3E}">
+        <p14:creationId xmlns:p14="http://schemas.microsoft.com/office/powerpoint/2010/main" val="1617615144"/>
+      </p:ext>
+    </p:extLst>
+  </p:cSld>
+  <p:clrMapOvr>
+    <a:masterClrMapping/>
+  </p:clrMapOvr>
+  <p:timing>
+    <p:tnLst>
+      <p:par>
+        <p:cTn id="1" dur="indefinite" restart="never" nodeType="tmRoot"/>
+      </p:par>
+    </p:tnLst>
+  </p:timing>
+</p:sld>
+</file>
+
+<file path=ppt/slides/slide16.xml><?xml version="1.0" encoding="utf-8"?>
+<p:sld xmlns:a="http://schemas.openxmlformats.org/drawingml/2006/main" xmlns:r="http://schemas.openxmlformats.org/officeDocument/2006/relationships" xmlns:p="http://schemas.openxmlformats.org/presentationml/2006/main">
+  <p:cSld>
+    <p:spTree>
+      <p:nvGrpSpPr>
+        <p:cNvPr id="1" name=""/>
+        <p:cNvGrpSpPr/>
+        <p:nvPr/>
+      </p:nvGrpSpPr>
+      <p:grpSpPr>
+        <a:xfrm>
+          <a:off x="0" y="0"/>
+          <a:ext cx="0" cy="0"/>
+          <a:chOff x="0" y="0"/>
+          <a:chExt cx="0" cy="0"/>
+        </a:xfrm>
+      </p:grpSpPr>
+      <p:sp>
+        <p:nvSpPr>
+          <p:cNvPr id="2" name="Title 1"/>
+          <p:cNvSpPr>
+            <a:spLocks noGrp="1"/>
+          </p:cNvSpPr>
+          <p:nvPr>
+            <p:ph type="title"/>
+          </p:nvPr>
+        </p:nvSpPr>
+        <p:spPr/>
+        <p:txBody>
+          <a:bodyPr>
+            <a:normAutofit/>
+          </a:bodyPr>
+          <a:lstStyle/>
+          <a:p>
+            <a:r>
+              <a:rPr lang="en-US" cap="none" dirty="0" smtClean="0">
+                <a:latin typeface="Adobe Gothic Std B" charset="-127"/>
+                <a:ea typeface="Adobe Gothic Std B" charset="-127"/>
+                <a:cs typeface="Adobe Gothic Std B" charset="-127"/>
+              </a:rPr>
+              <a:t>Create New Branch</a:t>
+            </a:r>
+            <a:endParaRPr lang="en-US" cap="none" dirty="0">
+              <a:latin typeface="Adobe Gothic Std B" charset="-127"/>
+              <a:ea typeface="Adobe Gothic Std B" charset="-127"/>
+              <a:cs typeface="Adobe Gothic Std B" charset="-127"/>
+            </a:endParaRPr>
+          </a:p>
+        </p:txBody>
+      </p:sp>
+      <p:sp>
+        <p:nvSpPr>
+          <p:cNvPr id="4" name="Slide Number Placeholder 3"/>
+          <p:cNvSpPr>
+            <a:spLocks noGrp="1"/>
+          </p:cNvSpPr>
+          <p:nvPr>
+            <p:ph type="sldNum" sz="quarter" idx="12"/>
+          </p:nvPr>
+        </p:nvSpPr>
+        <p:spPr/>
+        <p:txBody>
+          <a:bodyPr/>
+          <a:lstStyle/>
+          <a:p>
+            <a:fld id="{CFB0E020-FD70-774F-88AD-BC4F91F264AC}" type="slidenum">
+              <a:rPr lang="en-US" smtClean="0"/>
+              <a:t>16</a:t>
+            </a:fld>
+            <a:endParaRPr lang="en-US"/>
+          </a:p>
+        </p:txBody>
+      </p:sp>
+      <p:pic>
+        <p:nvPicPr>
+          <p:cNvPr id="3" name="Picture 2"/>
+          <p:cNvPicPr>
+            <a:picLocks noChangeAspect="1"/>
+          </p:cNvPicPr>
+          <p:nvPr/>
+        </p:nvPicPr>
+        <p:blipFill rotWithShape="1">
+          <a:blip r:embed="rId2">
+            <a:extLst>
+              <a:ext uri="{28A0092B-C50C-407E-A947-70E740481C1C}">
+                <a14:useLocalDpi xmlns:a14="http://schemas.microsoft.com/office/drawing/2010/main" val="0"/>
+              </a:ext>
+            </a:extLst>
+          </a:blip>
+          <a:srcRect t="67907" b="22369"/>
+          <a:stretch/>
+        </p:blipFill>
+        <p:spPr>
+          <a:xfrm>
+            <a:off x="332506" y="2011682"/>
+            <a:ext cx="8478987" cy="954156"/>
+          </a:xfrm>
+          <a:prstGeom prst="rect">
+            <a:avLst/>
+          </a:prstGeom>
+          <a:solidFill>
+            <a:srgbClr val="FFFFFF">
+              <a:shade val="85000"/>
+            </a:srgbClr>
+          </a:solidFill>
+          <a:ln w="88900" cap="sq">
+            <a:solidFill>
+              <a:srgbClr val="FFFFFF"/>
+            </a:solidFill>
+            <a:miter lim="800000"/>
+          </a:ln>
+          <a:effectLst>
+            <a:outerShdw blurRad="55000" dist="18000" dir="5400000" algn="tl" rotWithShape="0">
+              <a:srgbClr val="000000">
+                <a:alpha val="40000"/>
+              </a:srgbClr>
+            </a:outerShdw>
+          </a:effectLst>
+          <a:scene3d>
+            <a:camera prst="orthographicFront"/>
+            <a:lightRig rig="twoPt" dir="t">
+              <a:rot lat="0" lon="0" rev="7200000"/>
+            </a:lightRig>
+          </a:scene3d>
+          <a:sp3d>
+            <a:bevelT w="25400" h="19050"/>
+            <a:contourClr>
+              <a:srgbClr val="FFFFFF"/>
+            </a:contourClr>
+          </a:sp3d>
+        </p:spPr>
+      </p:pic>
+    </p:spTree>
+    <p:extLst>
+      <p:ext uri="{BB962C8B-B14F-4D97-AF65-F5344CB8AC3E}">
+        <p14:creationId xmlns:p14="http://schemas.microsoft.com/office/powerpoint/2010/main" val="1223248759"/>
+      </p:ext>
+    </p:extLst>
+  </p:cSld>
+  <p:clrMapOvr>
+    <a:masterClrMapping/>
+  </p:clrMapOvr>
+  <p:timing>
+    <p:tnLst>
+      <p:par>
+        <p:cTn id="1" dur="indefinite" restart="never" nodeType="tmRoot"/>
+      </p:par>
+    </p:tnLst>
+  </p:timing>
+</p:sld>
+</file>
+
+<file path=ppt/slides/slide17.xml><?xml version="1.0" encoding="utf-8"?>
+<p:sld xmlns:a="http://schemas.openxmlformats.org/drawingml/2006/main" xmlns:r="http://schemas.openxmlformats.org/officeDocument/2006/relationships" xmlns:p="http://schemas.openxmlformats.org/presentationml/2006/main">
+  <p:cSld>
+    <p:spTree>
+      <p:nvGrpSpPr>
+        <p:cNvPr id="1" name=""/>
+        <p:cNvGrpSpPr/>
+        <p:nvPr/>
+      </p:nvGrpSpPr>
+      <p:grpSpPr>
+        <a:xfrm>
+          <a:off x="0" y="0"/>
+          <a:ext cx="0" cy="0"/>
+          <a:chOff x="0" y="0"/>
+          <a:chExt cx="0" cy="0"/>
+        </a:xfrm>
+      </p:grpSpPr>
+      <p:sp>
+        <p:nvSpPr>
+          <p:cNvPr id="2" name="Title 1"/>
+          <p:cNvSpPr>
+            <a:spLocks noGrp="1"/>
+          </p:cNvSpPr>
+          <p:nvPr>
+            <p:ph type="title"/>
+          </p:nvPr>
+        </p:nvSpPr>
+        <p:spPr>
+          <a:xfrm>
+            <a:off x="286247" y="205979"/>
+            <a:ext cx="8651019" cy="857250"/>
+          </a:xfrm>
+        </p:spPr>
+        <p:txBody>
+          <a:bodyPr>
+            <a:normAutofit fontScale="90000"/>
+          </a:bodyPr>
+          <a:lstStyle/>
+          <a:p>
+            <a:r>
+              <a:rPr lang="en-US" cap="none" dirty="0" smtClean="0">
+                <a:latin typeface="Adobe Gothic Std B" charset="-127"/>
+                <a:ea typeface="Adobe Gothic Std B" charset="-127"/>
+                <a:cs typeface="Adobe Gothic Std B" charset="-127"/>
+              </a:rPr>
+              <a:t>Push (upload) files </a:t>
+            </a:r>
+            <a:r>
+              <a:rPr lang="en-US" cap="none" smtClean="0">
+                <a:latin typeface="Adobe Gothic Std B" charset="-127"/>
+                <a:ea typeface="Adobe Gothic Std B" charset="-127"/>
+                <a:cs typeface="Adobe Gothic Std B" charset="-127"/>
+              </a:rPr>
+              <a:t>and commits</a:t>
+            </a:r>
+            <a:endParaRPr lang="en-US" cap="none" dirty="0">
+              <a:latin typeface="Adobe Gothic Std B" charset="-127"/>
+              <a:ea typeface="Adobe Gothic Std B" charset="-127"/>
+              <a:cs typeface="Adobe Gothic Std B" charset="-127"/>
+            </a:endParaRPr>
+          </a:p>
+        </p:txBody>
+      </p:sp>
+      <p:sp>
+        <p:nvSpPr>
+          <p:cNvPr id="4" name="Slide Number Placeholder 3"/>
+          <p:cNvSpPr>
+            <a:spLocks noGrp="1"/>
+          </p:cNvSpPr>
+          <p:nvPr>
+            <p:ph type="sldNum" sz="quarter" idx="12"/>
+          </p:nvPr>
+        </p:nvSpPr>
+        <p:spPr/>
+        <p:txBody>
+          <a:bodyPr/>
+          <a:lstStyle/>
+          <a:p>
+            <a:fld id="{CFB0E020-FD70-774F-88AD-BC4F91F264AC}" type="slidenum">
+              <a:rPr lang="en-US" smtClean="0"/>
+              <a:t>17</a:t>
+            </a:fld>
+            <a:endParaRPr lang="en-US"/>
+          </a:p>
+        </p:txBody>
+      </p:sp>
+      <p:pic>
+        <p:nvPicPr>
+          <p:cNvPr id="3" name="Picture 2"/>
+          <p:cNvPicPr>
+            <a:picLocks noChangeAspect="1"/>
+          </p:cNvPicPr>
+          <p:nvPr/>
+        </p:nvPicPr>
+        <p:blipFill rotWithShape="1">
+          <a:blip r:embed="rId2">
+            <a:extLst>
+              <a:ext uri="{28A0092B-C50C-407E-A947-70E740481C1C}">
+                <a14:useLocalDpi xmlns:a14="http://schemas.microsoft.com/office/drawing/2010/main" val="0"/>
+              </a:ext>
+            </a:extLst>
+          </a:blip>
+          <a:srcRect t="53780" b="31649"/>
+          <a:stretch/>
+        </p:blipFill>
+        <p:spPr>
+          <a:xfrm>
+            <a:off x="652007" y="1956021"/>
+            <a:ext cx="7874568" cy="1327868"/>
+          </a:xfrm>
+          <a:prstGeom prst="rect">
+            <a:avLst/>
+          </a:prstGeom>
+          <a:solidFill>
+            <a:srgbClr val="FFFFFF">
+              <a:shade val="85000"/>
+            </a:srgbClr>
+          </a:solidFill>
+          <a:ln w="88900" cap="sq">
+            <a:solidFill>
+              <a:srgbClr val="FFFFFF"/>
+            </a:solidFill>
+            <a:miter lim="800000"/>
+          </a:ln>
+          <a:effectLst>
+            <a:outerShdw blurRad="55000" dist="18000" dir="5400000" algn="tl" rotWithShape="0">
+              <a:srgbClr val="000000">
+                <a:alpha val="40000"/>
+              </a:srgbClr>
+            </a:outerShdw>
+          </a:effectLst>
+          <a:scene3d>
+            <a:camera prst="orthographicFront"/>
+            <a:lightRig rig="twoPt" dir="t">
+              <a:rot lat="0" lon="0" rev="7200000"/>
+            </a:lightRig>
+          </a:scene3d>
+          <a:sp3d>
+            <a:bevelT w="25400" h="19050"/>
+            <a:contourClr>
+              <a:srgbClr val="FFFFFF"/>
+            </a:contourClr>
+          </a:sp3d>
+        </p:spPr>
+      </p:pic>
+    </p:spTree>
+    <p:extLst>
+      <p:ext uri="{BB962C8B-B14F-4D97-AF65-F5344CB8AC3E}">
+        <p14:creationId xmlns:p14="http://schemas.microsoft.com/office/powerpoint/2010/main" val="1436386423"/>
+      </p:ext>
+    </p:extLst>
+  </p:cSld>
+  <p:clrMapOvr>
+    <a:masterClrMapping/>
+  </p:clrMapOvr>
+  <p:timing>
+    <p:tnLst>
+      <p:par>
+        <p:cTn id="1" dur="indefinite" restart="never" nodeType="tmRoot"/>
+      </p:par>
+    </p:tnLst>
+  </p:timing>
+</p:sld>
+</file>
+
+<file path=ppt/slides/slide18.xml><?xml version="1.0" encoding="utf-8"?>
+<p:sld xmlns:a="http://schemas.openxmlformats.org/drawingml/2006/main" xmlns:r="http://schemas.openxmlformats.org/officeDocument/2006/relationships" xmlns:p="http://schemas.openxmlformats.org/presentationml/2006/main">
+  <p:cSld>
+    <p:spTree>
+      <p:nvGrpSpPr>
+        <p:cNvPr id="1" name=""/>
+        <p:cNvGrpSpPr/>
+        <p:nvPr/>
+      </p:nvGrpSpPr>
+      <p:grpSpPr>
+        <a:xfrm>
+          <a:off x="0" y="0"/>
+          <a:ext cx="0" cy="0"/>
+          <a:chOff x="0" y="0"/>
+          <a:chExt cx="0" cy="0"/>
+        </a:xfrm>
+      </p:grpSpPr>
+      <p:sp>
+        <p:nvSpPr>
+          <p:cNvPr id="2" name="Title 1"/>
+          <p:cNvSpPr>
+            <a:spLocks noGrp="1"/>
+          </p:cNvSpPr>
+          <p:nvPr>
+            <p:ph type="title"/>
+          </p:nvPr>
+        </p:nvSpPr>
+        <p:spPr/>
+        <p:txBody>
+          <a:bodyPr>
+            <a:normAutofit/>
+          </a:bodyPr>
+          <a:lstStyle/>
+          <a:p>
+            <a:r>
+              <a:rPr lang="en-US" cap="none" dirty="0" smtClean="0">
+                <a:latin typeface="Adobe Gothic Std B" charset="-127"/>
+                <a:ea typeface="Adobe Gothic Std B" charset="-127"/>
+                <a:cs typeface="Adobe Gothic Std B" charset="-127"/>
+              </a:rPr>
+              <a:t>Pull Request</a:t>
+            </a:r>
+            <a:endParaRPr lang="en-US" cap="none" dirty="0">
+              <a:latin typeface="Adobe Gothic Std B" charset="-127"/>
+              <a:ea typeface="Adobe Gothic Std B" charset="-127"/>
+              <a:cs typeface="Adobe Gothic Std B" charset="-127"/>
+            </a:endParaRPr>
+          </a:p>
+        </p:txBody>
+      </p:sp>
+      <p:sp>
+        <p:nvSpPr>
+          <p:cNvPr id="4" name="Slide Number Placeholder 3"/>
+          <p:cNvSpPr>
+            <a:spLocks noGrp="1"/>
+          </p:cNvSpPr>
+          <p:nvPr>
+            <p:ph type="sldNum" sz="quarter" idx="12"/>
+          </p:nvPr>
+        </p:nvSpPr>
+        <p:spPr/>
+        <p:txBody>
+          <a:bodyPr/>
+          <a:lstStyle/>
+          <a:p>
+            <a:fld id="{CFB0E020-FD70-774F-88AD-BC4F91F264AC}" type="slidenum">
+              <a:rPr lang="en-US" smtClean="0"/>
+              <a:t>18</a:t>
+            </a:fld>
+            <a:endParaRPr lang="en-US"/>
+          </a:p>
+        </p:txBody>
+      </p:sp>
+      <p:pic>
+        <p:nvPicPr>
+          <p:cNvPr id="3" name="Picture 2"/>
+          <p:cNvPicPr>
+            <a:picLocks noChangeAspect="1"/>
+          </p:cNvPicPr>
+          <p:nvPr/>
+        </p:nvPicPr>
+        <p:blipFill rotWithShape="1">
+          <a:blip r:embed="rId2">
+            <a:extLst>
+              <a:ext uri="{28A0092B-C50C-407E-A947-70E740481C1C}">
+                <a14:useLocalDpi xmlns:a14="http://schemas.microsoft.com/office/drawing/2010/main" val="0"/>
+              </a:ext>
+            </a:extLst>
+          </a:blip>
+          <a:srcRect t="36591" b="48577"/>
+          <a:stretch/>
+        </p:blipFill>
+        <p:spPr>
+          <a:xfrm>
+            <a:off x="634716" y="1742041"/>
+            <a:ext cx="7874568" cy="1351722"/>
+          </a:xfrm>
+          <a:prstGeom prst="rect">
+            <a:avLst/>
+          </a:prstGeom>
+          <a:solidFill>
+            <a:srgbClr val="FFFFFF">
+              <a:shade val="85000"/>
+            </a:srgbClr>
+          </a:solidFill>
+          <a:ln w="88900" cap="sq">
+            <a:solidFill>
+              <a:srgbClr val="FFFFFF"/>
+            </a:solidFill>
+            <a:miter lim="800000"/>
+          </a:ln>
+          <a:effectLst>
+            <a:outerShdw blurRad="55000" dist="18000" dir="5400000" algn="tl" rotWithShape="0">
+              <a:srgbClr val="000000">
+                <a:alpha val="40000"/>
+              </a:srgbClr>
+            </a:outerShdw>
+          </a:effectLst>
+          <a:scene3d>
+            <a:camera prst="orthographicFront"/>
+            <a:lightRig rig="twoPt" dir="t">
+              <a:rot lat="0" lon="0" rev="7200000"/>
+            </a:lightRig>
+          </a:scene3d>
+          <a:sp3d>
+            <a:bevelT w="25400" h="19050"/>
+            <a:contourClr>
+              <a:srgbClr val="FFFFFF"/>
+            </a:contourClr>
+          </a:sp3d>
+        </p:spPr>
+      </p:pic>
+    </p:spTree>
+    <p:extLst>
+      <p:ext uri="{BB962C8B-B14F-4D97-AF65-F5344CB8AC3E}">
+        <p14:creationId xmlns:p14="http://schemas.microsoft.com/office/powerpoint/2010/main" val="1482935434"/>
+      </p:ext>
+    </p:extLst>
+  </p:cSld>
+  <p:clrMapOvr>
+    <a:masterClrMapping/>
+  </p:clrMapOvr>
+  <p:timing>
+    <p:tnLst>
+      <p:par>
+        <p:cTn id="1" dur="indefinite" restart="never" nodeType="tmRoot"/>
+      </p:par>
+    </p:tnLst>
+  </p:timing>
+</p:sld>
+</file>
+
+<file path=ppt/slides/slide19.xml><?xml version="1.0" encoding="utf-8"?>
+<p:sld xmlns:a="http://schemas.openxmlformats.org/drawingml/2006/main" xmlns:r="http://schemas.openxmlformats.org/officeDocument/2006/relationships" xmlns:p="http://schemas.openxmlformats.org/presentationml/2006/main">
+  <p:cSld>
+    <p:spTree>
+      <p:nvGrpSpPr>
+        <p:cNvPr id="1" name=""/>
+        <p:cNvGrpSpPr/>
+        <p:nvPr/>
+      </p:nvGrpSpPr>
+      <p:grpSpPr>
+        <a:xfrm>
+          <a:off x="0" y="0"/>
+          <a:ext cx="0" cy="0"/>
+          <a:chOff x="0" y="0"/>
+          <a:chExt cx="0" cy="0"/>
+        </a:xfrm>
+      </p:grpSpPr>
+      <p:sp>
+        <p:nvSpPr>
+          <p:cNvPr id="2" name="Title 1"/>
+          <p:cNvSpPr>
+            <a:spLocks noGrp="1"/>
+          </p:cNvSpPr>
+          <p:nvPr>
+            <p:ph type="title"/>
+          </p:nvPr>
+        </p:nvSpPr>
+        <p:spPr/>
+        <p:txBody>
+          <a:bodyPr>
+            <a:normAutofit/>
+          </a:bodyPr>
+          <a:lstStyle/>
+          <a:p>
+            <a:r>
+              <a:rPr lang="en-US" cap="none" dirty="0" smtClean="0">
+                <a:latin typeface="Adobe Gothic Std B" charset="-127"/>
+                <a:ea typeface="Adobe Gothic Std B" charset="-127"/>
+                <a:cs typeface="Adobe Gothic Std B" charset="-127"/>
+              </a:rPr>
+              <a:t>Merge master Branch</a:t>
+            </a:r>
+            <a:endParaRPr lang="en-US" cap="none" dirty="0">
+              <a:latin typeface="Adobe Gothic Std B" charset="-127"/>
+              <a:ea typeface="Adobe Gothic Std B" charset="-127"/>
+              <a:cs typeface="Adobe Gothic Std B" charset="-127"/>
+            </a:endParaRPr>
+          </a:p>
+        </p:txBody>
+      </p:sp>
+      <p:sp>
+        <p:nvSpPr>
+          <p:cNvPr id="4" name="Slide Number Placeholder 3"/>
+          <p:cNvSpPr>
+            <a:spLocks noGrp="1"/>
+          </p:cNvSpPr>
+          <p:nvPr>
+            <p:ph type="sldNum" sz="quarter" idx="12"/>
+          </p:nvPr>
+        </p:nvSpPr>
+        <p:spPr/>
+        <p:txBody>
+          <a:bodyPr/>
+          <a:lstStyle/>
+          <a:p>
+            <a:fld id="{CFB0E020-FD70-774F-88AD-BC4F91F264AC}" type="slidenum">
+              <a:rPr lang="en-US" smtClean="0"/>
+              <a:t>19</a:t>
+            </a:fld>
+            <a:endParaRPr lang="en-US"/>
+          </a:p>
+        </p:txBody>
+      </p:sp>
+      <p:pic>
+        <p:nvPicPr>
+          <p:cNvPr id="3" name="Picture 2"/>
+          <p:cNvPicPr>
+            <a:picLocks noChangeAspect="1"/>
+          </p:cNvPicPr>
+          <p:nvPr/>
+        </p:nvPicPr>
+        <p:blipFill rotWithShape="1">
+          <a:blip r:embed="rId2">
+            <a:extLst>
+              <a:ext uri="{28A0092B-C50C-407E-A947-70E740481C1C}">
+                <a14:useLocalDpi xmlns:a14="http://schemas.microsoft.com/office/drawing/2010/main" val="0"/>
+              </a:ext>
+            </a:extLst>
+          </a:blip>
+          <a:srcRect t="19736" b="65074"/>
+          <a:stretch/>
+        </p:blipFill>
+        <p:spPr>
+          <a:xfrm>
+            <a:off x="746035" y="1716727"/>
+            <a:ext cx="7874568" cy="1384282"/>
+          </a:xfrm>
+          <a:prstGeom prst="rect">
+            <a:avLst/>
+          </a:prstGeom>
+          <a:solidFill>
+            <a:srgbClr val="FFFFFF">
+              <a:shade val="85000"/>
+            </a:srgbClr>
+          </a:solidFill>
+          <a:ln w="88900" cap="sq">
+            <a:solidFill>
+              <a:srgbClr val="FFFFFF"/>
+            </a:solidFill>
+            <a:miter lim="800000"/>
+          </a:ln>
+          <a:effectLst>
+            <a:outerShdw blurRad="55000" dist="18000" dir="5400000" algn="tl" rotWithShape="0">
+              <a:srgbClr val="000000">
+                <a:alpha val="40000"/>
+              </a:srgbClr>
+            </a:outerShdw>
+          </a:effectLst>
+          <a:scene3d>
+            <a:camera prst="orthographicFront"/>
+            <a:lightRig rig="twoPt" dir="t">
+              <a:rot lat="0" lon="0" rev="7200000"/>
+            </a:lightRig>
+          </a:scene3d>
+          <a:sp3d>
+            <a:bevelT w="25400" h="19050"/>
+            <a:contourClr>
+              <a:srgbClr val="FFFFFF"/>
+            </a:contourClr>
+          </a:sp3d>
+        </p:spPr>
+      </p:pic>
+    </p:spTree>
+    <p:extLst>
+      <p:ext uri="{BB962C8B-B14F-4D97-AF65-F5344CB8AC3E}">
+        <p14:creationId xmlns:p14="http://schemas.microsoft.com/office/powerpoint/2010/main" val="1053888255"/>
+      </p:ext>
+    </p:extLst>
+  </p:cSld>
+  <p:clrMapOvr>
+    <a:masterClrMapping/>
+  </p:clrMapOvr>
+  <p:timing>
+    <p:tnLst>
+      <p:par>
+        <p:cTn id="1" dur="indefinite" restart="never" nodeType="tmRoot"/>
+      </p:par>
+    </p:tnLst>
+  </p:timing>
 </p:sld>
 </file>
 
@@ -4413,6 +5915,446 @@
   <p:clrMapOvr>
     <a:masterClrMapping/>
   </p:clrMapOvr>
+  <p:timing>
+    <p:tnLst>
+      <p:par>
+        <p:cTn id="1" dur="indefinite" restart="never" nodeType="tmRoot"/>
+      </p:par>
+    </p:tnLst>
+  </p:timing>
+</p:sld>
+</file>
+
+<file path=ppt/slides/slide20.xml><?xml version="1.0" encoding="utf-8"?>
+<p:sld xmlns:a="http://schemas.openxmlformats.org/drawingml/2006/main" xmlns:r="http://schemas.openxmlformats.org/officeDocument/2006/relationships" xmlns:p="http://schemas.openxmlformats.org/presentationml/2006/main">
+  <p:cSld>
+    <p:spTree>
+      <p:nvGrpSpPr>
+        <p:cNvPr id="1" name=""/>
+        <p:cNvGrpSpPr/>
+        <p:nvPr/>
+      </p:nvGrpSpPr>
+      <p:grpSpPr>
+        <a:xfrm>
+          <a:off x="0" y="0"/>
+          <a:ext cx="0" cy="0"/>
+          <a:chOff x="0" y="0"/>
+          <a:chExt cx="0" cy="0"/>
+        </a:xfrm>
+      </p:grpSpPr>
+      <p:sp>
+        <p:nvSpPr>
+          <p:cNvPr id="2" name="Title 1"/>
+          <p:cNvSpPr>
+            <a:spLocks noGrp="1"/>
+          </p:cNvSpPr>
+          <p:nvPr>
+            <p:ph type="title"/>
+          </p:nvPr>
+        </p:nvSpPr>
+        <p:spPr/>
+        <p:txBody>
+          <a:bodyPr/>
+          <a:lstStyle/>
+          <a:p>
+            <a:r>
+              <a:rPr lang="en-US" cap="none" dirty="0" smtClean="0">
+                <a:latin typeface="Adobe Gothic Std B" charset="-127"/>
+                <a:ea typeface="Adobe Gothic Std B" charset="-127"/>
+                <a:cs typeface="Adobe Gothic Std B" charset="-127"/>
+              </a:rPr>
+              <a:t>Additional Resources</a:t>
+            </a:r>
+            <a:endParaRPr lang="en-US" cap="none" dirty="0">
+              <a:latin typeface="Adobe Gothic Std B" charset="-127"/>
+              <a:ea typeface="Adobe Gothic Std B" charset="-127"/>
+              <a:cs typeface="Adobe Gothic Std B" charset="-127"/>
+            </a:endParaRPr>
+          </a:p>
+        </p:txBody>
+      </p:sp>
+      <p:sp>
+        <p:nvSpPr>
+          <p:cNvPr id="3" name="Content Placeholder 2"/>
+          <p:cNvSpPr>
+            <a:spLocks noGrp="1"/>
+          </p:cNvSpPr>
+          <p:nvPr>
+            <p:ph idx="1"/>
+          </p:nvPr>
+        </p:nvSpPr>
+        <p:spPr>
+          <a:xfrm>
+            <a:off x="174929" y="1063229"/>
+            <a:ext cx="5860111" cy="534983"/>
+          </a:xfrm>
+        </p:spPr>
+        <p:txBody>
+          <a:bodyPr>
+            <a:normAutofit fontScale="92500"/>
+          </a:bodyPr>
+          <a:lstStyle/>
+          <a:p>
+            <a:r>
+              <a:rPr lang="en-US" sz="2400" dirty="0"/>
+              <a:t>https://</a:t>
+            </a:r>
+            <a:r>
+              <a:rPr lang="en-US" sz="2400" dirty="0" err="1"/>
+              <a:t>try.github.io</a:t>
+            </a:r>
+            <a:r>
+              <a:rPr lang="en-US" sz="2400" dirty="0"/>
+              <a:t>/levels/1/challenges/1</a:t>
+            </a:r>
+            <a:endParaRPr lang="en-US" sz="2400" dirty="0" smtClean="0"/>
+          </a:p>
+        </p:txBody>
+      </p:sp>
+      <p:sp>
+        <p:nvSpPr>
+          <p:cNvPr id="4" name="Slide Number Placeholder 3"/>
+          <p:cNvSpPr>
+            <a:spLocks noGrp="1"/>
+          </p:cNvSpPr>
+          <p:nvPr>
+            <p:ph type="sldNum" sz="quarter" idx="12"/>
+          </p:nvPr>
+        </p:nvSpPr>
+        <p:spPr/>
+        <p:txBody>
+          <a:bodyPr/>
+          <a:lstStyle/>
+          <a:p>
+            <a:fld id="{CFB0E020-FD70-774F-88AD-BC4F91F264AC}" type="slidenum">
+              <a:rPr lang="en-US" smtClean="0"/>
+              <a:t>20</a:t>
+            </a:fld>
+            <a:endParaRPr lang="en-US"/>
+          </a:p>
+        </p:txBody>
+      </p:sp>
+      <p:pic>
+        <p:nvPicPr>
+          <p:cNvPr id="5" name="Picture 4"/>
+          <p:cNvPicPr>
+            <a:picLocks noChangeAspect="1"/>
+          </p:cNvPicPr>
+          <p:nvPr/>
+        </p:nvPicPr>
+        <p:blipFill>
+          <a:blip r:embed="rId2">
+            <a:extLst>
+              <a:ext uri="{28A0092B-C50C-407E-A947-70E740481C1C}">
+                <a14:useLocalDpi xmlns:a14="http://schemas.microsoft.com/office/drawing/2010/main" val="0"/>
+              </a:ext>
+            </a:extLst>
+          </a:blip>
+          <a:stretch>
+            <a:fillRect/>
+          </a:stretch>
+        </p:blipFill>
+        <p:spPr>
+          <a:xfrm>
+            <a:off x="1574358" y="1559956"/>
+            <a:ext cx="5995284" cy="3440622"/>
+          </a:xfrm>
+          <a:prstGeom prst="rect">
+            <a:avLst/>
+          </a:prstGeom>
+          <a:solidFill>
+            <a:srgbClr val="FFFFFF">
+              <a:shade val="85000"/>
+            </a:srgbClr>
+          </a:solidFill>
+          <a:ln w="88900" cap="sq">
+            <a:solidFill>
+              <a:srgbClr val="FFFFFF"/>
+            </a:solidFill>
+            <a:miter lim="800000"/>
+          </a:ln>
+          <a:effectLst>
+            <a:outerShdw blurRad="55000" dist="18000" dir="5400000" algn="tl" rotWithShape="0">
+              <a:srgbClr val="000000">
+                <a:alpha val="40000"/>
+              </a:srgbClr>
+            </a:outerShdw>
+          </a:effectLst>
+          <a:scene3d>
+            <a:camera prst="orthographicFront"/>
+            <a:lightRig rig="twoPt" dir="t">
+              <a:rot lat="0" lon="0" rev="7200000"/>
+            </a:lightRig>
+          </a:scene3d>
+          <a:sp3d>
+            <a:bevelT w="25400" h="19050"/>
+            <a:contourClr>
+              <a:srgbClr val="FFFFFF"/>
+            </a:contourClr>
+          </a:sp3d>
+        </p:spPr>
+      </p:pic>
+    </p:spTree>
+    <p:extLst>
+      <p:ext uri="{BB962C8B-B14F-4D97-AF65-F5344CB8AC3E}">
+        <p14:creationId xmlns:p14="http://schemas.microsoft.com/office/powerpoint/2010/main" val="109236800"/>
+      </p:ext>
+    </p:extLst>
+  </p:cSld>
+  <p:clrMapOvr>
+    <a:masterClrMapping/>
+  </p:clrMapOvr>
+  <p:timing>
+    <p:tnLst>
+      <p:par>
+        <p:cTn id="1" dur="indefinite" restart="never" nodeType="tmRoot"/>
+      </p:par>
+    </p:tnLst>
+  </p:timing>
+</p:sld>
+</file>
+
+<file path=ppt/slides/slide21.xml><?xml version="1.0" encoding="utf-8"?>
+<p:sld xmlns:a="http://schemas.openxmlformats.org/drawingml/2006/main" xmlns:r="http://schemas.openxmlformats.org/officeDocument/2006/relationships" xmlns:p="http://schemas.openxmlformats.org/presentationml/2006/main">
+  <p:cSld>
+    <p:spTree>
+      <p:nvGrpSpPr>
+        <p:cNvPr id="1" name=""/>
+        <p:cNvGrpSpPr/>
+        <p:nvPr/>
+      </p:nvGrpSpPr>
+      <p:grpSpPr>
+        <a:xfrm>
+          <a:off x="0" y="0"/>
+          <a:ext cx="0" cy="0"/>
+          <a:chOff x="0" y="0"/>
+          <a:chExt cx="0" cy="0"/>
+        </a:xfrm>
+      </p:grpSpPr>
+      <p:sp>
+        <p:nvSpPr>
+          <p:cNvPr id="2" name="Title 1"/>
+          <p:cNvSpPr>
+            <a:spLocks noGrp="1"/>
+          </p:cNvSpPr>
+          <p:nvPr>
+            <p:ph type="title"/>
+          </p:nvPr>
+        </p:nvSpPr>
+        <p:spPr/>
+        <p:txBody>
+          <a:bodyPr/>
+          <a:lstStyle/>
+          <a:p>
+            <a:r>
+              <a:rPr lang="en-US" cap="none" dirty="0" smtClean="0">
+                <a:latin typeface="Adobe Gothic Std B" charset="-127"/>
+                <a:ea typeface="Adobe Gothic Std B" charset="-127"/>
+                <a:cs typeface="Adobe Gothic Std B" charset="-127"/>
+              </a:rPr>
+              <a:t>Additional Resources</a:t>
+            </a:r>
+            <a:endParaRPr lang="en-US" cap="none" dirty="0">
+              <a:latin typeface="Adobe Gothic Std B" charset="-127"/>
+              <a:ea typeface="Adobe Gothic Std B" charset="-127"/>
+              <a:cs typeface="Adobe Gothic Std B" charset="-127"/>
+            </a:endParaRPr>
+          </a:p>
+        </p:txBody>
+      </p:sp>
+      <p:sp>
+        <p:nvSpPr>
+          <p:cNvPr id="3" name="Content Placeholder 2"/>
+          <p:cNvSpPr>
+            <a:spLocks noGrp="1"/>
+          </p:cNvSpPr>
+          <p:nvPr>
+            <p:ph idx="1"/>
+          </p:nvPr>
+        </p:nvSpPr>
+        <p:spPr>
+          <a:xfrm>
+            <a:off x="457200" y="1590261"/>
+            <a:ext cx="8229600" cy="3004362"/>
+          </a:xfrm>
+        </p:spPr>
+        <p:txBody>
+          <a:bodyPr>
+            <a:normAutofit/>
+          </a:bodyPr>
+          <a:lstStyle/>
+          <a:p>
+            <a:r>
+              <a:rPr lang="en-US" sz="2400" dirty="0">
+                <a:hlinkClick r:id="rId2"/>
+              </a:rPr>
+              <a:t>https://</a:t>
+            </a:r>
+            <a:r>
+              <a:rPr lang="en-US" sz="2400" dirty="0" smtClean="0">
+                <a:hlinkClick r:id="rId2"/>
+              </a:rPr>
+              <a:t>git-scm.com/book/en/v2</a:t>
+            </a:r>
+            <a:endParaRPr lang="en-US" sz="2400" dirty="0" smtClean="0"/>
+          </a:p>
+          <a:p>
+            <a:r>
+              <a:rPr lang="en-US" sz="2400" dirty="0">
+                <a:hlinkClick r:id="rId3"/>
+              </a:rPr>
+              <a:t>https://</a:t>
+            </a:r>
+            <a:r>
+              <a:rPr lang="en-US" sz="2400" dirty="0" smtClean="0">
+                <a:hlinkClick r:id="rId3"/>
+              </a:rPr>
+              <a:t>services.github.com/on-demand/downloads/github-git-cheat-sheet.pdf</a:t>
+            </a:r>
+            <a:endParaRPr lang="en-US" sz="2400" dirty="0" smtClean="0"/>
+          </a:p>
+        </p:txBody>
+      </p:sp>
+      <p:sp>
+        <p:nvSpPr>
+          <p:cNvPr id="4" name="Slide Number Placeholder 3"/>
+          <p:cNvSpPr>
+            <a:spLocks noGrp="1"/>
+          </p:cNvSpPr>
+          <p:nvPr>
+            <p:ph type="sldNum" sz="quarter" idx="12"/>
+          </p:nvPr>
+        </p:nvSpPr>
+        <p:spPr/>
+        <p:txBody>
+          <a:bodyPr/>
+          <a:lstStyle/>
+          <a:p>
+            <a:fld id="{CFB0E020-FD70-774F-88AD-BC4F91F264AC}" type="slidenum">
+              <a:rPr lang="en-US" smtClean="0"/>
+              <a:t>21</a:t>
+            </a:fld>
+            <a:endParaRPr lang="en-US"/>
+          </a:p>
+        </p:txBody>
+      </p:sp>
+    </p:spTree>
+    <p:extLst>
+      <p:ext uri="{BB962C8B-B14F-4D97-AF65-F5344CB8AC3E}">
+        <p14:creationId xmlns:p14="http://schemas.microsoft.com/office/powerpoint/2010/main" val="1509526249"/>
+      </p:ext>
+    </p:extLst>
+  </p:cSld>
+  <p:clrMapOvr>
+    <a:masterClrMapping/>
+  </p:clrMapOvr>
+  <p:timing>
+    <p:tnLst>
+      <p:par>
+        <p:cTn id="1" dur="indefinite" restart="never" nodeType="tmRoot"/>
+      </p:par>
+    </p:tnLst>
+  </p:timing>
+</p:sld>
+</file>
+
+<file path=ppt/slides/slide22.xml><?xml version="1.0" encoding="utf-8"?>
+<p:sld xmlns:a="http://schemas.openxmlformats.org/drawingml/2006/main" xmlns:r="http://schemas.openxmlformats.org/officeDocument/2006/relationships" xmlns:p="http://schemas.openxmlformats.org/presentationml/2006/main">
+  <p:cSld>
+    <p:spTree>
+      <p:nvGrpSpPr>
+        <p:cNvPr id="1" name=""/>
+        <p:cNvGrpSpPr/>
+        <p:nvPr/>
+      </p:nvGrpSpPr>
+      <p:grpSpPr>
+        <a:xfrm>
+          <a:off x="0" y="0"/>
+          <a:ext cx="0" cy="0"/>
+          <a:chOff x="0" y="0"/>
+          <a:chExt cx="0" cy="0"/>
+        </a:xfrm>
+      </p:grpSpPr>
+      <p:sp>
+        <p:nvSpPr>
+          <p:cNvPr id="2" name="Title 1"/>
+          <p:cNvSpPr>
+            <a:spLocks noGrp="1"/>
+          </p:cNvSpPr>
+          <p:nvPr>
+            <p:ph type="ctrTitle"/>
+          </p:nvPr>
+        </p:nvSpPr>
+        <p:spPr>
+          <a:xfrm>
+            <a:off x="685800" y="1693249"/>
+            <a:ext cx="7772400" cy="1102519"/>
+          </a:xfrm>
+        </p:spPr>
+        <p:txBody>
+          <a:bodyPr/>
+          <a:lstStyle/>
+          <a:p>
+            <a:r>
+              <a:rPr lang="en-US" dirty="0" smtClean="0"/>
+              <a:t>Thank you</a:t>
+            </a:r>
+            <a:endParaRPr lang="en-US" dirty="0"/>
+          </a:p>
+        </p:txBody>
+      </p:sp>
+      <p:pic>
+        <p:nvPicPr>
+          <p:cNvPr id="5" name="Picture 4"/>
+          <p:cNvPicPr>
+            <a:picLocks noChangeAspect="1"/>
+          </p:cNvPicPr>
+          <p:nvPr/>
+        </p:nvPicPr>
+        <p:blipFill>
+          <a:blip r:embed="rId2">
+            <a:extLst>
+              <a:ext uri="{28A0092B-C50C-407E-A947-70E740481C1C}">
+                <a14:useLocalDpi xmlns:a14="http://schemas.microsoft.com/office/drawing/2010/main" val="0"/>
+              </a:ext>
+            </a:extLst>
+          </a:blip>
+          <a:stretch>
+            <a:fillRect/>
+          </a:stretch>
+        </p:blipFill>
+        <p:spPr>
+          <a:xfrm>
+            <a:off x="3612542" y="2793766"/>
+            <a:ext cx="1918915" cy="2044933"/>
+          </a:xfrm>
+          <a:prstGeom prst="rect">
+            <a:avLst/>
+          </a:prstGeom>
+        </p:spPr>
+      </p:pic>
+    </p:spTree>
+    <p:extLst>
+      <p:ext uri="{BB962C8B-B14F-4D97-AF65-F5344CB8AC3E}">
+        <p14:creationId xmlns:p14="http://schemas.microsoft.com/office/powerpoint/2010/main" val="1188395742"/>
+      </p:ext>
+    </p:extLst>
+  </p:cSld>
+  <p:clrMapOvr>
+    <a:masterClrMapping/>
+  </p:clrMapOvr>
+  <mc:AlternateContent xmlns:mc="http://schemas.openxmlformats.org/markup-compatibility/2006">
+    <mc:Choice xmlns:p15="http://schemas.microsoft.com/office/powerpoint/2012/main" Requires="p15">
+      <p:transition xmlns:p14="http://schemas.microsoft.com/office/powerpoint/2010/main" spd="slow" p14:dur="6000">
+        <p15:prstTrans prst="curtains"/>
+      </p:transition>
+    </mc:Choice>
+    <mc:Fallback>
+      <p:transition spd="slow">
+        <p:fade/>
+      </p:transition>
+    </mc:Fallback>
+  </mc:AlternateContent>
   <p:timing>
     <p:tnLst>
       <p:par>
@@ -5044,16 +6986,12 @@
   <p:clrMapOvr>
     <a:masterClrMapping/>
   </p:clrMapOvr>
-  <mc:AlternateContent xmlns:mc="http://schemas.openxmlformats.org/markup-compatibility/2006" xmlns:p159="http://schemas.microsoft.com/office/powerpoint/2015/09/main">
-    <mc:Choice Requires="p159">
-      <p:transition xmlns:p14="http://schemas.microsoft.com/office/powerpoint/2010/main" spd="slow" p14:dur="2000">
-        <p159:morph option="byObject"/>
-      </p:transition>
+  <mc:AlternateContent xmlns:mc="http://schemas.openxmlformats.org/markup-compatibility/2006">
+    <mc:Choice xmlns:p14="http://schemas.microsoft.com/office/powerpoint/2010/main" Requires="p14">
+      <p:transition p14:dur="0"/>
     </mc:Choice>
-    <mc:Fallback xmlns="">
-      <p:transition spd="slow">
-        <p:fade/>
-      </p:transition>
+    <mc:Fallback>
+      <p:transition/>
     </mc:Fallback>
   </mc:AlternateContent>
   <p:timing>
@@ -6708,13 +8646,13 @@
   <p:clrMapOvr>
     <a:masterClrMapping/>
   </p:clrMapOvr>
-  <mc:AlternateContent xmlns:mc="http://schemas.openxmlformats.org/markup-compatibility/2006" xmlns:p159="http://schemas.microsoft.com/office/powerpoint/2015/09/main">
-    <mc:Choice Requires="p159">
+  <mc:AlternateContent xmlns:mc="http://schemas.openxmlformats.org/markup-compatibility/2006">
+    <mc:Choice xmlns:p159="http://schemas.microsoft.com/office/powerpoint/2015/09/main" Requires="p159">
       <p:transition xmlns:p14="http://schemas.microsoft.com/office/powerpoint/2010/main" spd="slow" p14:dur="2000">
         <p159:morph option="byObject"/>
       </p:transition>
     </mc:Choice>
-    <mc:Fallback xmlns="">
+    <mc:Fallback>
       <p:transition spd="slow">
         <p:fade/>
       </p:transition>
@@ -7494,6 +9432,18 @@
   <p:clrMapOvr>
     <a:masterClrMapping/>
   </p:clrMapOvr>
+  <mc:AlternateContent xmlns:mc="http://schemas.openxmlformats.org/markup-compatibility/2006">
+    <mc:Choice xmlns:p15="http://schemas.microsoft.com/office/powerpoint/2012/main" Requires="p15">
+      <p:transition xmlns:p14="http://schemas.microsoft.com/office/powerpoint/2010/main" spd="slow" p14:dur="2000">
+        <p15:prstTrans prst="crush"/>
+      </p:transition>
+    </mc:Choice>
+    <mc:Fallback>
+      <p:transition spd="slow">
+        <p:fade/>
+      </p:transition>
+    </mc:Fallback>
+  </mc:AlternateContent>
   <p:timing>
     <p:tnLst>
       <p:par>
@@ -8331,6 +10281,13 @@
   <p:clrMapOvr>
     <a:masterClrMapping/>
   </p:clrMapOvr>
+  <p:timing>
+    <p:tnLst>
+      <p:par>
+        <p:cTn id="1" dur="indefinite" restart="never" nodeType="tmRoot"/>
+      </p:par>
+    </p:tnLst>
+  </p:timing>
 </p:sld>
 </file>
 
